--- a/Slides/Lecture 6-3.pptx
+++ b/Slides/Lecture 6-3.pptx
@@ -219,7 +219,7 @@
             <a:fld id="{A6781D3C-003D-4837-A496-9A32CDA8003A}" type="datetimeFigureOut">
               <a:rPr lang="en-US" smtClean="0"/>
               <a:pPr/>
-              <a:t>1/31/19</a:t>
+              <a:t>1/28/2019</a:t>
             </a:fld>
             <a:endParaRPr lang="en-US"/>
           </a:p>
@@ -485,94 +485,6 @@
     </a:lvl9pPr>
   </p:notesStyle>
 </p:notesMaster>
-</file>
-
-<file path=ppt/notesSlides/notesSlide1.xml><?xml version="1.0" encoding="utf-8"?>
-<p:notes xmlns:a="http://schemas.openxmlformats.org/drawingml/2006/main" xmlns:r="http://schemas.openxmlformats.org/officeDocument/2006/relationships" xmlns:p="http://schemas.openxmlformats.org/presentationml/2006/main">
-  <p:cSld>
-    <p:spTree>
-      <p:nvGrpSpPr>
-        <p:cNvPr id="1" name=""/>
-        <p:cNvGrpSpPr/>
-        <p:nvPr/>
-      </p:nvGrpSpPr>
-      <p:grpSpPr>
-        <a:xfrm>
-          <a:off x="0" y="0"/>
-          <a:ext cx="0" cy="0"/>
-          <a:chOff x="0" y="0"/>
-          <a:chExt cx="0" cy="0"/>
-        </a:xfrm>
-      </p:grpSpPr>
-      <p:sp>
-        <p:nvSpPr>
-          <p:cNvPr id="2" name="Slide Image Placeholder 1"/>
-          <p:cNvSpPr>
-            <a:spLocks noGrp="1" noRot="1" noChangeAspect="1"/>
-          </p:cNvSpPr>
-          <p:nvPr>
-            <p:ph type="sldImg"/>
-          </p:nvPr>
-        </p:nvSpPr>
-        <p:spPr/>
-      </p:sp>
-      <p:sp>
-        <p:nvSpPr>
-          <p:cNvPr id="3" name="Notes Placeholder 2"/>
-          <p:cNvSpPr>
-            <a:spLocks noGrp="1"/>
-          </p:cNvSpPr>
-          <p:nvPr>
-            <p:ph type="body" idx="1"/>
-          </p:nvPr>
-        </p:nvSpPr>
-        <p:spPr/>
-        <p:txBody>
-          <a:bodyPr/>
-          <a:lstStyle/>
-          <a:p>
-            <a:r>
-              <a:rPr lang="en-US" dirty="0"/>
-              <a:t>f is foreign language, e is English.</a:t>
-            </a:r>
-          </a:p>
-        </p:txBody>
-      </p:sp>
-      <p:sp>
-        <p:nvSpPr>
-          <p:cNvPr id="4" name="Slide Number Placeholder 3"/>
-          <p:cNvSpPr>
-            <a:spLocks noGrp="1"/>
-          </p:cNvSpPr>
-          <p:nvPr>
-            <p:ph type="sldNum" sz="quarter" idx="5"/>
-          </p:nvPr>
-        </p:nvSpPr>
-        <p:spPr/>
-        <p:txBody>
-          <a:bodyPr/>
-          <a:lstStyle/>
-          <a:p>
-            <a:fld id="{6529D11D-5857-48CF-ABB8-89B8AC9FD03C}" type="slidenum">
-              <a:rPr lang="en-US" smtClean="0"/>
-              <a:pPr/>
-              <a:t>4</a:t>
-            </a:fld>
-            <a:endParaRPr lang="en-US"/>
-          </a:p>
-        </p:txBody>
-      </p:sp>
-    </p:spTree>
-    <p:extLst>
-      <p:ext uri="{BB962C8B-B14F-4D97-AF65-F5344CB8AC3E}">
-        <p14:creationId xmlns:p14="http://schemas.microsoft.com/office/powerpoint/2010/main" val="2265585541"/>
-      </p:ext>
-    </p:extLst>
-  </p:cSld>
-  <p:clrMapOvr>
-    <a:masterClrMapping/>
-  </p:clrMapOvr>
-</p:notes>
 </file>
 
 <file path=ppt/slideLayouts/slideLayout1.xml><?xml version="1.0" encoding="utf-8"?>
@@ -4256,6 +4168,13 @@
   <p:clrMapOvr>
     <a:masterClrMapping/>
   </p:clrMapOvr>
+  <p:timing>
+    <p:tnLst>
+      <p:par>
+        <p:cTn id="1" dur="indefinite" restart="never" nodeType="tmRoot"/>
+      </p:par>
+    </p:tnLst>
+  </p:timing>
 </p:sld>
 </file>
 
@@ -4459,6 +4378,13 @@
   <p:clrMapOvr>
     <a:masterClrMapping/>
   </p:clrMapOvr>
+  <p:timing>
+    <p:tnLst>
+      <p:par>
+        <p:cTn id="1" dur="indefinite" restart="never" nodeType="tmRoot"/>
+      </p:par>
+    </p:tnLst>
+  </p:timing>
 </p:sld>
 </file>
 
@@ -7586,6 +7512,13 @@
   <p:clrMapOvr>
     <a:masterClrMapping/>
   </p:clrMapOvr>
+  <p:timing>
+    <p:tnLst>
+      <p:par>
+        <p:cTn id="1" dur="indefinite" restart="never" nodeType="tmRoot"/>
+      </p:par>
+    </p:tnLst>
+  </p:timing>
 </p:sld>
 </file>
 
@@ -7689,21 +7622,21 @@
                 <a:gridCol w="1762664">
                   <a:extLst>
                     <a:ext uri="{9D8B030D-6E8A-4147-A177-3AD203B41FA5}">
-                      <a16:colId xmlns:a16="http://schemas.microsoft.com/office/drawing/2014/main" val="20000"/>
+                      <a16:colId xmlns:a16="http://schemas.microsoft.com/office/drawing/2014/main" xmlns="" val="20000"/>
                     </a:ext>
                   </a:extLst>
                 </a:gridCol>
                 <a:gridCol w="724620">
                   <a:extLst>
                     <a:ext uri="{9D8B030D-6E8A-4147-A177-3AD203B41FA5}">
-                      <a16:colId xmlns:a16="http://schemas.microsoft.com/office/drawing/2014/main" val="20001"/>
+                      <a16:colId xmlns:a16="http://schemas.microsoft.com/office/drawing/2014/main" xmlns="" val="20001"/>
                     </a:ext>
                   </a:extLst>
                 </a:gridCol>
                 <a:gridCol w="715992">
                   <a:extLst>
                     <a:ext uri="{9D8B030D-6E8A-4147-A177-3AD203B41FA5}">
-                      <a16:colId xmlns:a16="http://schemas.microsoft.com/office/drawing/2014/main" val="20002"/>
+                      <a16:colId xmlns:a16="http://schemas.microsoft.com/office/drawing/2014/main" xmlns="" val="20002"/>
                     </a:ext>
                   </a:extLst>
                 </a:gridCol>
@@ -7757,7 +7690,7 @@
                 </a:tc>
                 <a:extLst>
                   <a:ext uri="{0D108BD9-81ED-4DB2-BD59-A6C34878D82A}">
-                    <a16:rowId xmlns:a16="http://schemas.microsoft.com/office/drawing/2014/main" val="10000"/>
+                    <a16:rowId xmlns:a16="http://schemas.microsoft.com/office/drawing/2014/main" xmlns="" val="10000"/>
                   </a:ext>
                 </a:extLst>
               </a:tr>
@@ -7797,7 +7730,7 @@
                 </a:tc>
                 <a:extLst>
                   <a:ext uri="{0D108BD9-81ED-4DB2-BD59-A6C34878D82A}">
-                    <a16:rowId xmlns:a16="http://schemas.microsoft.com/office/drawing/2014/main" val="10001"/>
+                    <a16:rowId xmlns:a16="http://schemas.microsoft.com/office/drawing/2014/main" xmlns="" val="10001"/>
                   </a:ext>
                 </a:extLst>
               </a:tr>
@@ -7842,7 +7775,7 @@
                 </a:tc>
                 <a:extLst>
                   <a:ext uri="{0D108BD9-81ED-4DB2-BD59-A6C34878D82A}">
-                    <a16:rowId xmlns:a16="http://schemas.microsoft.com/office/drawing/2014/main" val="10002"/>
+                    <a16:rowId xmlns:a16="http://schemas.microsoft.com/office/drawing/2014/main" xmlns="" val="10002"/>
                   </a:ext>
                 </a:extLst>
               </a:tr>
@@ -7882,7 +7815,7 @@
                 </a:tc>
                 <a:extLst>
                   <a:ext uri="{0D108BD9-81ED-4DB2-BD59-A6C34878D82A}">
-                    <a16:rowId xmlns:a16="http://schemas.microsoft.com/office/drawing/2014/main" val="10003"/>
+                    <a16:rowId xmlns:a16="http://schemas.microsoft.com/office/drawing/2014/main" xmlns="" val="10003"/>
                   </a:ext>
                 </a:extLst>
               </a:tr>
@@ -7927,7 +7860,7 @@
                 </a:tc>
                 <a:extLst>
                   <a:ext uri="{0D108BD9-81ED-4DB2-BD59-A6C34878D82A}">
-                    <a16:rowId xmlns:a16="http://schemas.microsoft.com/office/drawing/2014/main" val="10004"/>
+                    <a16:rowId xmlns:a16="http://schemas.microsoft.com/office/drawing/2014/main" xmlns="" val="10004"/>
                   </a:ext>
                 </a:extLst>
               </a:tr>
@@ -7972,7 +7905,7 @@
                 </a:tc>
                 <a:extLst>
                   <a:ext uri="{0D108BD9-81ED-4DB2-BD59-A6C34878D82A}">
-                    <a16:rowId xmlns:a16="http://schemas.microsoft.com/office/drawing/2014/main" val="10005"/>
+                    <a16:rowId xmlns:a16="http://schemas.microsoft.com/office/drawing/2014/main" xmlns="" val="10005"/>
                   </a:ext>
                 </a:extLst>
               </a:tr>
@@ -8012,7 +7945,7 @@
                 </a:tc>
                 <a:extLst>
                   <a:ext uri="{0D108BD9-81ED-4DB2-BD59-A6C34878D82A}">
-                    <a16:rowId xmlns:a16="http://schemas.microsoft.com/office/drawing/2014/main" val="10006"/>
+                    <a16:rowId xmlns:a16="http://schemas.microsoft.com/office/drawing/2014/main" xmlns="" val="10006"/>
                   </a:ext>
                 </a:extLst>
               </a:tr>
@@ -8030,6 +7963,13 @@
   <p:clrMapOvr>
     <a:masterClrMapping/>
   </p:clrMapOvr>
+  <p:timing>
+    <p:tnLst>
+      <p:par>
+        <p:cTn id="1" dur="indefinite" restart="never" nodeType="tmRoot"/>
+      </p:par>
+    </p:tnLst>
+  </p:timing>
 </p:sld>
 </file>
 
@@ -8133,21 +8073,21 @@
                 <a:gridCol w="1762664">
                   <a:extLst>
                     <a:ext uri="{9D8B030D-6E8A-4147-A177-3AD203B41FA5}">
-                      <a16:colId xmlns:a16="http://schemas.microsoft.com/office/drawing/2014/main" val="20000"/>
+                      <a16:colId xmlns:a16="http://schemas.microsoft.com/office/drawing/2014/main" xmlns="" val="20000"/>
                     </a:ext>
                   </a:extLst>
                 </a:gridCol>
                 <a:gridCol w="724620">
                   <a:extLst>
                     <a:ext uri="{9D8B030D-6E8A-4147-A177-3AD203B41FA5}">
-                      <a16:colId xmlns:a16="http://schemas.microsoft.com/office/drawing/2014/main" val="20001"/>
+                      <a16:colId xmlns:a16="http://schemas.microsoft.com/office/drawing/2014/main" xmlns="" val="20001"/>
                     </a:ext>
                   </a:extLst>
                 </a:gridCol>
                 <a:gridCol w="715992">
                   <a:extLst>
                     <a:ext uri="{9D8B030D-6E8A-4147-A177-3AD203B41FA5}">
-                      <a16:colId xmlns:a16="http://schemas.microsoft.com/office/drawing/2014/main" val="20002"/>
+                      <a16:colId xmlns:a16="http://schemas.microsoft.com/office/drawing/2014/main" xmlns="" val="20002"/>
                     </a:ext>
                   </a:extLst>
                 </a:gridCol>
@@ -8201,7 +8141,7 @@
                 </a:tc>
                 <a:extLst>
                   <a:ext uri="{0D108BD9-81ED-4DB2-BD59-A6C34878D82A}">
-                    <a16:rowId xmlns:a16="http://schemas.microsoft.com/office/drawing/2014/main" val="10000"/>
+                    <a16:rowId xmlns:a16="http://schemas.microsoft.com/office/drawing/2014/main" xmlns="" val="10000"/>
                   </a:ext>
                 </a:extLst>
               </a:tr>
@@ -8255,7 +8195,7 @@
                 </a:tc>
                 <a:extLst>
                   <a:ext uri="{0D108BD9-81ED-4DB2-BD59-A6C34878D82A}">
-                    <a16:rowId xmlns:a16="http://schemas.microsoft.com/office/drawing/2014/main" val="10001"/>
+                    <a16:rowId xmlns:a16="http://schemas.microsoft.com/office/drawing/2014/main" xmlns="" val="10001"/>
                   </a:ext>
                 </a:extLst>
               </a:tr>
@@ -8306,7 +8246,7 @@
                 </a:tc>
                 <a:extLst>
                   <a:ext uri="{0D108BD9-81ED-4DB2-BD59-A6C34878D82A}">
-                    <a16:rowId xmlns:a16="http://schemas.microsoft.com/office/drawing/2014/main" val="10002"/>
+                    <a16:rowId xmlns:a16="http://schemas.microsoft.com/office/drawing/2014/main" xmlns="" val="10002"/>
                   </a:ext>
                 </a:extLst>
               </a:tr>
@@ -8346,7 +8286,7 @@
                 </a:tc>
                 <a:extLst>
                   <a:ext uri="{0D108BD9-81ED-4DB2-BD59-A6C34878D82A}">
-                    <a16:rowId xmlns:a16="http://schemas.microsoft.com/office/drawing/2014/main" val="10003"/>
+                    <a16:rowId xmlns:a16="http://schemas.microsoft.com/office/drawing/2014/main" xmlns="" val="10003"/>
                   </a:ext>
                 </a:extLst>
               </a:tr>
@@ -8391,7 +8331,7 @@
                 </a:tc>
                 <a:extLst>
                   <a:ext uri="{0D108BD9-81ED-4DB2-BD59-A6C34878D82A}">
-                    <a16:rowId xmlns:a16="http://schemas.microsoft.com/office/drawing/2014/main" val="10004"/>
+                    <a16:rowId xmlns:a16="http://schemas.microsoft.com/office/drawing/2014/main" xmlns="" val="10004"/>
                   </a:ext>
                 </a:extLst>
               </a:tr>
@@ -8436,7 +8376,7 @@
                 </a:tc>
                 <a:extLst>
                   <a:ext uri="{0D108BD9-81ED-4DB2-BD59-A6C34878D82A}">
-                    <a16:rowId xmlns:a16="http://schemas.microsoft.com/office/drawing/2014/main" val="10005"/>
+                    <a16:rowId xmlns:a16="http://schemas.microsoft.com/office/drawing/2014/main" xmlns="" val="10005"/>
                   </a:ext>
                 </a:extLst>
               </a:tr>
@@ -8476,7 +8416,7 @@
                 </a:tc>
                 <a:extLst>
                   <a:ext uri="{0D108BD9-81ED-4DB2-BD59-A6C34878D82A}">
-                    <a16:rowId xmlns:a16="http://schemas.microsoft.com/office/drawing/2014/main" val="10006"/>
+                    <a16:rowId xmlns:a16="http://schemas.microsoft.com/office/drawing/2014/main" xmlns="" val="10006"/>
                   </a:ext>
                 </a:extLst>
               </a:tr>
@@ -8494,6 +8434,13 @@
   <p:clrMapOvr>
     <a:masterClrMapping/>
   </p:clrMapOvr>
+  <p:timing>
+    <p:tnLst>
+      <p:par>
+        <p:cTn id="1" dur="indefinite" restart="never" nodeType="tmRoot"/>
+      </p:par>
+    </p:tnLst>
+  </p:timing>
 </p:sld>
 </file>
 
@@ -8597,21 +8544,21 @@
                 <a:gridCol w="1762664">
                   <a:extLst>
                     <a:ext uri="{9D8B030D-6E8A-4147-A177-3AD203B41FA5}">
-                      <a16:colId xmlns:a16="http://schemas.microsoft.com/office/drawing/2014/main" val="20000"/>
+                      <a16:colId xmlns:a16="http://schemas.microsoft.com/office/drawing/2014/main" xmlns="" val="20000"/>
                     </a:ext>
                   </a:extLst>
                 </a:gridCol>
                 <a:gridCol w="724620">
                   <a:extLst>
                     <a:ext uri="{9D8B030D-6E8A-4147-A177-3AD203B41FA5}">
-                      <a16:colId xmlns:a16="http://schemas.microsoft.com/office/drawing/2014/main" val="20001"/>
+                      <a16:colId xmlns:a16="http://schemas.microsoft.com/office/drawing/2014/main" xmlns="" val="20001"/>
                     </a:ext>
                   </a:extLst>
                 </a:gridCol>
                 <a:gridCol w="715992">
                   <a:extLst>
                     <a:ext uri="{9D8B030D-6E8A-4147-A177-3AD203B41FA5}">
-                      <a16:colId xmlns:a16="http://schemas.microsoft.com/office/drawing/2014/main" val="20002"/>
+                      <a16:colId xmlns:a16="http://schemas.microsoft.com/office/drawing/2014/main" xmlns="" val="20002"/>
                     </a:ext>
                   </a:extLst>
                 </a:gridCol>
@@ -8665,7 +8612,7 @@
                 </a:tc>
                 <a:extLst>
                   <a:ext uri="{0D108BD9-81ED-4DB2-BD59-A6C34878D82A}">
-                    <a16:rowId xmlns:a16="http://schemas.microsoft.com/office/drawing/2014/main" val="10000"/>
+                    <a16:rowId xmlns:a16="http://schemas.microsoft.com/office/drawing/2014/main" xmlns="" val="10000"/>
                   </a:ext>
                 </a:extLst>
               </a:tr>
@@ -8711,7 +8658,7 @@
                 </a:tc>
                 <a:extLst>
                   <a:ext uri="{0D108BD9-81ED-4DB2-BD59-A6C34878D82A}">
-                    <a16:rowId xmlns:a16="http://schemas.microsoft.com/office/drawing/2014/main" val="10001"/>
+                    <a16:rowId xmlns:a16="http://schemas.microsoft.com/office/drawing/2014/main" xmlns="" val="10001"/>
                   </a:ext>
                 </a:extLst>
               </a:tr>
@@ -8762,7 +8709,7 @@
                 </a:tc>
                 <a:extLst>
                   <a:ext uri="{0D108BD9-81ED-4DB2-BD59-A6C34878D82A}">
-                    <a16:rowId xmlns:a16="http://schemas.microsoft.com/office/drawing/2014/main" val="10002"/>
+                    <a16:rowId xmlns:a16="http://schemas.microsoft.com/office/drawing/2014/main" xmlns="" val="10002"/>
                   </a:ext>
                 </a:extLst>
               </a:tr>
@@ -8808,7 +8755,7 @@
                 </a:tc>
                 <a:extLst>
                   <a:ext uri="{0D108BD9-81ED-4DB2-BD59-A6C34878D82A}">
-                    <a16:rowId xmlns:a16="http://schemas.microsoft.com/office/drawing/2014/main" val="10003"/>
+                    <a16:rowId xmlns:a16="http://schemas.microsoft.com/office/drawing/2014/main" xmlns="" val="10003"/>
                   </a:ext>
                 </a:extLst>
               </a:tr>
@@ -8859,7 +8806,7 @@
                 </a:tc>
                 <a:extLst>
                   <a:ext uri="{0D108BD9-81ED-4DB2-BD59-A6C34878D82A}">
-                    <a16:rowId xmlns:a16="http://schemas.microsoft.com/office/drawing/2014/main" val="10004"/>
+                    <a16:rowId xmlns:a16="http://schemas.microsoft.com/office/drawing/2014/main" xmlns="" val="10004"/>
                   </a:ext>
                 </a:extLst>
               </a:tr>
@@ -8910,7 +8857,7 @@
                 </a:tc>
                 <a:extLst>
                   <a:ext uri="{0D108BD9-81ED-4DB2-BD59-A6C34878D82A}">
-                    <a16:rowId xmlns:a16="http://schemas.microsoft.com/office/drawing/2014/main" val="10005"/>
+                    <a16:rowId xmlns:a16="http://schemas.microsoft.com/office/drawing/2014/main" xmlns="" val="10005"/>
                   </a:ext>
                 </a:extLst>
               </a:tr>
@@ -8956,7 +8903,7 @@
                 </a:tc>
                 <a:extLst>
                   <a:ext uri="{0D108BD9-81ED-4DB2-BD59-A6C34878D82A}">
-                    <a16:rowId xmlns:a16="http://schemas.microsoft.com/office/drawing/2014/main" val="10006"/>
+                    <a16:rowId xmlns:a16="http://schemas.microsoft.com/office/drawing/2014/main" xmlns="" val="10006"/>
                   </a:ext>
                 </a:extLst>
               </a:tr>
@@ -8974,6 +8921,13 @@
   <p:clrMapOvr>
     <a:masterClrMapping/>
   </p:clrMapOvr>
+  <p:timing>
+    <p:tnLst>
+      <p:par>
+        <p:cTn id="1" dur="indefinite" restart="never" nodeType="tmRoot"/>
+      </p:par>
+    </p:tnLst>
+  </p:timing>
 </p:sld>
 </file>
 
@@ -9086,6 +9040,13 @@
   <p:clrMapOvr>
     <a:masterClrMapping/>
   </p:clrMapOvr>
+  <p:timing>
+    <p:tnLst>
+      <p:par>
+        <p:cTn id="1" dur="indefinite" restart="never" nodeType="tmRoot"/>
+      </p:par>
+    </p:tnLst>
+  </p:timing>
 </p:sld>
 </file>
 
@@ -9403,6 +9364,13 @@
   <p:clrMapOvr>
     <a:masterClrMapping/>
   </p:clrMapOvr>
+  <p:timing>
+    <p:tnLst>
+      <p:par>
+        <p:cTn id="1" dur="indefinite" restart="never" nodeType="tmRoot"/>
+      </p:par>
+    </p:tnLst>
+  </p:timing>
 </p:sld>
 </file>
 
